--- a/DesignReviewSlides.pptx
+++ b/DesignReviewSlides.pptx
@@ -130,7 +130,7 @@
   </p:defaultTextStyle>
   <p:extLst>
     <p:ext uri="{EFAFB233-063F-42B5-8137-9DF3F51BA10A}">
-      <p15:sldGuideLst xmlns:p15="http://schemas.microsoft.com/office/powerpoint/2012/main" xmlns=""/>
+      <p15:sldGuideLst xmlns="" xmlns:p15="http://schemas.microsoft.com/office/powerpoint/2012/main"/>
     </p:ext>
   </p:extLst>
 </p:presentation>
@@ -3929,6 +3929,13 @@
   <p:clrMapOvr>
     <a:masterClrMapping/>
   </p:clrMapOvr>
+  <p:timing>
+    <p:tnLst>
+      <p:par>
+        <p:cTn xmlns:p14="http://schemas.microsoft.com/office/powerpoint/2010/main" id="1" dur="indefinite" restart="never" nodeType="tmRoot"/>
+      </p:par>
+    </p:tnLst>
+  </p:timing>
 </p:sld>
 </file>
 
@@ -4394,6 +4401,13 @@
   <p:clrMapOvr>
     <a:masterClrMapping/>
   </p:clrMapOvr>
+  <p:timing>
+    <p:tnLst>
+      <p:par>
+        <p:cTn xmlns:p14="http://schemas.microsoft.com/office/powerpoint/2010/main" id="1" dur="indefinite" restart="never" nodeType="tmRoot"/>
+      </p:par>
+    </p:tnLst>
+  </p:timing>
 </p:sld>
 </file>
 
@@ -4481,6 +4495,13 @@
   <p:clrMapOvr>
     <a:masterClrMapping/>
   </p:clrMapOvr>
+  <p:timing>
+    <p:tnLst>
+      <p:par>
+        <p:cTn xmlns:p14="http://schemas.microsoft.com/office/powerpoint/2010/main" id="1" dur="indefinite" restart="never" nodeType="tmRoot"/>
+      </p:par>
+    </p:tnLst>
+  </p:timing>
 </p:sld>
 </file>
 
@@ -4576,6 +4597,13 @@
   <p:clrMapOvr>
     <a:masterClrMapping/>
   </p:clrMapOvr>
+  <p:timing>
+    <p:tnLst>
+      <p:par>
+        <p:cTn xmlns:p14="http://schemas.microsoft.com/office/powerpoint/2010/main" id="1" dur="indefinite" restart="never" nodeType="tmRoot"/>
+      </p:par>
+    </p:tnLst>
+  </p:timing>
 </p:sld>
 </file>
 
@@ -4663,6 +4691,13 @@
   <p:clrMapOvr>
     <a:masterClrMapping/>
   </p:clrMapOvr>
+  <p:timing>
+    <p:tnLst>
+      <p:par>
+        <p:cTn xmlns:p14="http://schemas.microsoft.com/office/powerpoint/2010/main" id="1" dur="indefinite" restart="never" nodeType="tmRoot"/>
+      </p:par>
+    </p:tnLst>
+  </p:timing>
 </p:sld>
 </file>
 
@@ -4716,6 +4751,13 @@
   <p:clrMapOvr>
     <a:masterClrMapping/>
   </p:clrMapOvr>
+  <p:timing>
+    <p:tnLst>
+      <p:par>
+        <p:cTn xmlns:p14="http://schemas.microsoft.com/office/powerpoint/2010/main" id="1" dur="indefinite" restart="never" nodeType="tmRoot"/>
+      </p:par>
+    </p:tnLst>
+  </p:timing>
 </p:sld>
 </file>
 
@@ -4770,7 +4812,6 @@
               <a:rPr lang="en-US" dirty="0"/>
               <a:t>Case Diagram</a:t>
             </a:r>
-            <a:endParaRPr lang="en-US" dirty="0"/>
           </a:p>
         </p:txBody>
       </p:sp>
@@ -4813,6 +4854,13 @@
   <p:clrMapOvr>
     <a:masterClrMapping/>
   </p:clrMapOvr>
+  <p:timing>
+    <p:tnLst>
+      <p:par>
+        <p:cTn xmlns:p14="http://schemas.microsoft.com/office/powerpoint/2010/main" id="1" dur="indefinite" restart="never" nodeType="tmRoot"/>
+      </p:par>
+    </p:tnLst>
+  </p:timing>
 </p:sld>
 </file>
 
@@ -4882,7 +4930,7 @@
           <a:graphicData uri="http://schemas.openxmlformats.org/presentationml/2006/ole">
             <mc:AlternateContent xmlns:mc="http://schemas.openxmlformats.org/markup-compatibility/2006">
               <mc:Choice xmlns:v="urn:schemas-microsoft-com:vml" Requires="v">
-                <p:oleObj spid="_x0000_s1044" name="Document" r:id="rId3" imgW="5626100" imgH="2387600" progId="Word.Document.12">
+                <p:oleObj spid="_x0000_s1067" name="Document" r:id="rId3" imgW="5626100" imgH="2387600" progId="Word.Document.12">
                   <p:embed/>
                 </p:oleObj>
               </mc:Choice>
@@ -4939,7 +4987,7 @@
           <a:graphicData uri="http://schemas.openxmlformats.org/presentationml/2006/ole">
             <mc:AlternateContent xmlns:mc="http://schemas.openxmlformats.org/markup-compatibility/2006">
               <mc:Choice xmlns:v="urn:schemas-microsoft-com:vml" Requires="v">
-                <p:oleObj spid="_x0000_s1045" name="Document" r:id="rId5" imgW="5626100" imgH="1943100" progId="Word.Document.12">
+                <p:oleObj spid="_x0000_s1068" name="Document" r:id="rId5" imgW="5626100" imgH="1943100" progId="Word.Document.12">
                   <p:embed/>
                 </p:oleObj>
               </mc:Choice>
@@ -4984,6 +5032,13 @@
   <p:clrMapOvr>
     <a:masterClrMapping/>
   </p:clrMapOvr>
+  <p:timing>
+    <p:tnLst>
+      <p:par>
+        <p:cTn xmlns:p14="http://schemas.microsoft.com/office/powerpoint/2010/main" id="1" dur="indefinite" restart="never" nodeType="tmRoot"/>
+      </p:par>
+    </p:tnLst>
+  </p:timing>
 </p:sld>
 </file>
 
@@ -5053,7 +5108,7 @@
           <a:graphicData uri="http://schemas.openxmlformats.org/presentationml/2006/ole">
             <mc:AlternateContent xmlns:mc="http://schemas.openxmlformats.org/markup-compatibility/2006">
               <mc:Choice xmlns:v="urn:schemas-microsoft-com:vml" Requires="v">
-                <p:oleObj spid="_x0000_s2063" name="Document" r:id="rId3" imgW="5626100" imgH="2565400" progId="Word.Document.12">
+                <p:oleObj spid="_x0000_s2086" name="Document" r:id="rId3" imgW="5626100" imgH="2565400" progId="Word.Document.12">
                   <p:embed/>
                 </p:oleObj>
               </mc:Choice>
@@ -5110,7 +5165,7 @@
           <a:graphicData uri="http://schemas.openxmlformats.org/presentationml/2006/ole">
             <mc:AlternateContent xmlns:mc="http://schemas.openxmlformats.org/markup-compatibility/2006">
               <mc:Choice xmlns:v="urn:schemas-microsoft-com:vml" Requires="v">
-                <p:oleObj spid="_x0000_s2064" name="Document" r:id="rId5" imgW="5626100" imgH="2146300" progId="Word.Document.12">
+                <p:oleObj spid="_x0000_s2087" name="Document" r:id="rId5" imgW="5626100" imgH="2146300" progId="Word.Document.12">
                   <p:embed/>
                 </p:oleObj>
               </mc:Choice>
@@ -5155,6 +5210,13 @@
   <p:clrMapOvr>
     <a:masterClrMapping/>
   </p:clrMapOvr>
+  <p:timing>
+    <p:tnLst>
+      <p:par>
+        <p:cTn xmlns:p14="http://schemas.microsoft.com/office/powerpoint/2010/main" id="1" dur="indefinite" restart="never" nodeType="tmRoot"/>
+      </p:par>
+    </p:tnLst>
+  </p:timing>
 </p:sld>
 </file>
 
@@ -5224,7 +5286,7 @@
           <a:graphicData uri="http://schemas.openxmlformats.org/presentationml/2006/ole">
             <mc:AlternateContent xmlns:mc="http://schemas.openxmlformats.org/markup-compatibility/2006">
               <mc:Choice xmlns:v="urn:schemas-microsoft-com:vml" Requires="v">
-                <p:oleObj spid="_x0000_s3079" name="Document" r:id="rId3" imgW="6083300" imgH="2984500" progId="Word.Document.12">
+                <p:oleObj spid="_x0000_s3102" name="Document" r:id="rId3" imgW="6083300" imgH="2984500" progId="Word.Document.12">
                   <p:embed/>
                 </p:oleObj>
               </mc:Choice>
@@ -5281,7 +5343,7 @@
           <a:graphicData uri="http://schemas.openxmlformats.org/presentationml/2006/ole">
             <mc:AlternateContent xmlns:mc="http://schemas.openxmlformats.org/markup-compatibility/2006">
               <mc:Choice xmlns:v="urn:schemas-microsoft-com:vml" Requires="v">
-                <p:oleObj spid="_x0000_s3080" name="Document" r:id="rId5" imgW="6083300" imgH="1943100" progId="Word.Document.12">
+                <p:oleObj spid="_x0000_s3103" name="Document" r:id="rId5" imgW="6083300" imgH="1943100" progId="Word.Document.12">
                   <p:embed/>
                 </p:oleObj>
               </mc:Choice>
@@ -5326,6 +5388,13 @@
   <p:clrMapOvr>
     <a:masterClrMapping/>
   </p:clrMapOvr>
+  <p:timing>
+    <p:tnLst>
+      <p:par>
+        <p:cTn xmlns:p14="http://schemas.microsoft.com/office/powerpoint/2010/main" id="1" dur="indefinite" restart="never" nodeType="tmRoot"/>
+      </p:par>
+    </p:tnLst>
+  </p:timing>
 </p:sld>
 </file>
 
@@ -5395,7 +5464,7 @@
           <a:graphicData uri="http://schemas.openxmlformats.org/presentationml/2006/ole">
             <mc:AlternateContent xmlns:mc="http://schemas.openxmlformats.org/markup-compatibility/2006">
               <mc:Choice xmlns:v="urn:schemas-microsoft-com:vml" Requires="v">
-                <p:oleObj spid="_x0000_s4101" name="Document" r:id="rId3" imgW="6083300" imgH="3098800" progId="Word.Document.12">
+                <p:oleObj spid="_x0000_s4124" name="Document" r:id="rId3" imgW="6083300" imgH="3098800" progId="Word.Document.12">
                   <p:embed/>
                 </p:oleObj>
               </mc:Choice>
@@ -5452,7 +5521,7 @@
           <a:graphicData uri="http://schemas.openxmlformats.org/presentationml/2006/ole">
             <mc:AlternateContent xmlns:mc="http://schemas.openxmlformats.org/markup-compatibility/2006">
               <mc:Choice xmlns:v="urn:schemas-microsoft-com:vml" Requires="v">
-                <p:oleObj spid="_x0000_s4102" name="Document" r:id="rId5" imgW="6083300" imgH="1803400" progId="Word.Document.12">
+                <p:oleObj spid="_x0000_s4125" name="Document" r:id="rId5" imgW="6083300" imgH="1803400" progId="Word.Document.12">
                   <p:embed/>
                 </p:oleObj>
               </mc:Choice>
@@ -5497,6 +5566,13 @@
   <p:clrMapOvr>
     <a:masterClrMapping/>
   </p:clrMapOvr>
+  <p:timing>
+    <p:tnLst>
+      <p:par>
+        <p:cTn xmlns:p14="http://schemas.microsoft.com/office/powerpoint/2010/main" id="1" dur="indefinite" restart="never" nodeType="tmRoot"/>
+      </p:par>
+    </p:tnLst>
+  </p:timing>
 </p:sld>
 </file>
 
@@ -5584,6 +5660,13 @@
   <p:clrMapOvr>
     <a:masterClrMapping/>
   </p:clrMapOvr>
+  <p:timing>
+    <p:tnLst>
+      <p:par>
+        <p:cTn xmlns:p14="http://schemas.microsoft.com/office/powerpoint/2010/main" id="1" dur="indefinite" restart="never" nodeType="tmRoot"/>
+      </p:par>
+    </p:tnLst>
+  </p:timing>
 </p:sld>
 </file>
 
@@ -5635,7 +5718,7 @@
       </p:sp>
       <p:pic>
         <p:nvPicPr>
-          <p:cNvPr id="3" name="Picture 2" descr="pic2.png"/>
+          <p:cNvPr id="4" name="Picture 3" descr="pic2.png"/>
           <p:cNvPicPr>
             <a:picLocks noChangeAspect="1"/>
           </p:cNvPicPr>
@@ -5649,13 +5732,13 @@
               </a:ext>
             </a:extLst>
           </a:blip>
-          <a:srcRect l="16797" t="21885" r="28273" b="24807"/>
+          <a:srcRect l="16328" t="21165" r="28026" b="24101"/>
           <a:stretch/>
         </p:blipFill>
         <p:spPr>
           <a:xfrm>
-            <a:off x="2386122" y="2065254"/>
-            <a:ext cx="7490112" cy="4104859"/>
+            <a:off x="2333301" y="2051885"/>
+            <a:ext cx="7470088" cy="4149192"/>
           </a:xfrm>
           <a:prstGeom prst="rect">
             <a:avLst/>
@@ -5672,6 +5755,13 @@
   <p:clrMapOvr>
     <a:masterClrMapping/>
   </p:clrMapOvr>
+  <p:timing>
+    <p:tnLst>
+      <p:par>
+        <p:cTn xmlns:p14="http://schemas.microsoft.com/office/powerpoint/2010/main" id="1" dur="indefinite" restart="never" nodeType="tmRoot"/>
+      </p:par>
+    </p:tnLst>
+  </p:timing>
 </p:sld>
 </file>
 
@@ -5740,7 +5830,7 @@
       </p:sp>
       <p:pic>
         <p:nvPicPr>
-          <p:cNvPr id="3" name="Picture 2" descr="pic5.png"/>
+          <p:cNvPr id="4" name="Picture 3" descr="pic5.png"/>
           <p:cNvPicPr>
             <a:picLocks noChangeAspect="1"/>
           </p:cNvPicPr>
@@ -5754,13 +5844,13 @@
               </a:ext>
             </a:extLst>
           </a:blip>
-          <a:srcRect l="24614" t="19827" r="48450" b="26865"/>
+          <a:srcRect l="21256" t="23246" r="40028" b="23960"/>
           <a:stretch/>
         </p:blipFill>
         <p:spPr>
           <a:xfrm>
-            <a:off x="4348903" y="2193533"/>
-            <a:ext cx="3271298" cy="3655890"/>
+            <a:off x="2864333" y="1783316"/>
+            <a:ext cx="6147512" cy="4733926"/>
           </a:xfrm>
           <a:prstGeom prst="rect">
             <a:avLst/>
@@ -5777,6 +5867,13 @@
   <p:clrMapOvr>
     <a:masterClrMapping/>
   </p:clrMapOvr>
+  <p:timing>
+    <p:tnLst>
+      <p:par>
+        <p:cTn xmlns:p14="http://schemas.microsoft.com/office/powerpoint/2010/main" id="1" dur="indefinite" restart="never" nodeType="tmRoot"/>
+      </p:par>
+    </p:tnLst>
+  </p:timing>
 </p:sld>
 </file>
 
@@ -5866,6 +5963,13 @@
   <p:clrMapOvr>
     <a:masterClrMapping/>
   </p:clrMapOvr>
+  <p:timing>
+    <p:tnLst>
+      <p:par>
+        <p:cTn xmlns:p14="http://schemas.microsoft.com/office/powerpoint/2010/main" id="1" dur="indefinite" restart="never" nodeType="tmRoot"/>
+      </p:par>
+    </p:tnLst>
+  </p:timing>
 </p:sld>
 </file>
 
@@ -5920,6 +6024,13 @@
   <p:clrMapOvr>
     <a:masterClrMapping/>
   </p:clrMapOvr>
+  <p:timing>
+    <p:tnLst>
+      <p:par>
+        <p:cTn xmlns:p14="http://schemas.microsoft.com/office/powerpoint/2010/main" id="1" dur="indefinite" restart="never" nodeType="tmRoot"/>
+      </p:par>
+    </p:tnLst>
+  </p:timing>
 </p:sld>
 </file>
 
@@ -6007,6 +6118,13 @@
   <p:clrMapOvr>
     <a:masterClrMapping/>
   </p:clrMapOvr>
+  <p:timing>
+    <p:tnLst>
+      <p:par>
+        <p:cTn xmlns:p14="http://schemas.microsoft.com/office/powerpoint/2010/main" id="1" dur="indefinite" restart="never" nodeType="tmRoot"/>
+      </p:par>
+    </p:tnLst>
+  </p:timing>
 </p:sld>
 </file>
 
@@ -6094,6 +6212,13 @@
   <p:clrMapOvr>
     <a:masterClrMapping/>
   </p:clrMapOvr>
+  <p:timing>
+    <p:tnLst>
+      <p:par>
+        <p:cTn xmlns:p14="http://schemas.microsoft.com/office/powerpoint/2010/main" id="1" dur="indefinite" restart="never" nodeType="tmRoot"/>
+      </p:par>
+    </p:tnLst>
+  </p:timing>
 </p:sld>
 </file>
 
@@ -6184,6 +6309,13 @@
   <p:clrMapOvr>
     <a:masterClrMapping/>
   </p:clrMapOvr>
+  <p:timing>
+    <p:tnLst>
+      <p:par>
+        <p:cTn xmlns:p14="http://schemas.microsoft.com/office/powerpoint/2010/main" id="1" dur="indefinite" restart="never" nodeType="tmRoot"/>
+      </p:par>
+    </p:tnLst>
+  </p:timing>
 </p:sld>
 </file>
 
@@ -6233,13 +6365,13 @@
       </p:sp>
       <p:pic>
         <p:nvPicPr>
-          <p:cNvPr id="4" name="Picture 3"/>
+          <p:cNvPr id="2" name="Picture 1" descr="pic6.png"/>
           <p:cNvPicPr>
             <a:picLocks noChangeAspect="1"/>
           </p:cNvPicPr>
           <p:nvPr/>
         </p:nvPicPr>
-        <p:blipFill>
+        <p:blipFill rotWithShape="1">
           <a:blip r:embed="rId2">
             <a:extLst>
               <a:ext uri="{28A0092B-C50C-407E-A947-70E740481C1C}">
@@ -6247,14 +6379,13 @@
               </a:ext>
             </a:extLst>
           </a:blip>
-          <a:stretch>
-            <a:fillRect/>
-          </a:stretch>
+          <a:srcRect l="14646" t="20505" r="34188" b="14179"/>
+          <a:stretch/>
         </p:blipFill>
         <p:spPr>
           <a:xfrm>
-            <a:off x="2091065" y="1744565"/>
-            <a:ext cx="6907883" cy="4847646"/>
+            <a:off x="3412967" y="1865902"/>
+            <a:ext cx="6519786" cy="4700088"/>
           </a:xfrm>
           <a:prstGeom prst="rect">
             <a:avLst/>
@@ -6271,6 +6402,13 @@
   <p:clrMapOvr>
     <a:masterClrMapping/>
   </p:clrMapOvr>
+  <p:timing>
+    <p:tnLst>
+      <p:par>
+        <p:cTn xmlns:p14="http://schemas.microsoft.com/office/powerpoint/2010/main" id="1" dur="indefinite" restart="never" nodeType="tmRoot"/>
+      </p:par>
+    </p:tnLst>
+  </p:timing>
 </p:sld>
 </file>
 
@@ -6358,6 +6496,13 @@
   <p:clrMapOvr>
     <a:masterClrMapping/>
   </p:clrMapOvr>
+  <p:timing>
+    <p:tnLst>
+      <p:par>
+        <p:cTn xmlns:p14="http://schemas.microsoft.com/office/powerpoint/2010/main" id="1" dur="indefinite" restart="never" nodeType="tmRoot"/>
+      </p:par>
+    </p:tnLst>
+  </p:timing>
 </p:sld>
 </file>
 
@@ -6453,6 +6598,13 @@
   <p:clrMapOvr>
     <a:masterClrMapping/>
   </p:clrMapOvr>
+  <p:timing>
+    <p:tnLst>
+      <p:par>
+        <p:cTn xmlns:p14="http://schemas.microsoft.com/office/powerpoint/2010/main" id="1" dur="indefinite" restart="never" nodeType="tmRoot"/>
+      </p:par>
+    </p:tnLst>
+  </p:timing>
 </p:sld>
 </file>
 
@@ -6507,6 +6659,13 @@
   <p:clrMapOvr>
     <a:masterClrMapping/>
   </p:clrMapOvr>
+  <p:timing>
+    <p:tnLst>
+      <p:par>
+        <p:cTn xmlns:p14="http://schemas.microsoft.com/office/powerpoint/2010/main" id="1" dur="indefinite" restart="never" nodeType="tmRoot"/>
+      </p:par>
+    </p:tnLst>
+  </p:timing>
 </p:sld>
 </file>
 
@@ -6594,6 +6753,13 @@
   <p:clrMapOvr>
     <a:masterClrMapping/>
   </p:clrMapOvr>
+  <p:timing>
+    <p:tnLst>
+      <p:par>
+        <p:cTn xmlns:p14="http://schemas.microsoft.com/office/powerpoint/2010/main" id="1" dur="indefinite" restart="never" nodeType="tmRoot"/>
+      </p:par>
+    </p:tnLst>
+  </p:timing>
 </p:sld>
 </file>
 
@@ -7048,7 +7214,6 @@
               <a:rPr lang="en-US" dirty="0"/>
               <a:t>Use Case Description: Set Speed</a:t>
             </a:r>
-            <a:endParaRPr lang="en-US" dirty="0"/>
           </a:p>
         </p:txBody>
       </p:sp>
@@ -7062,6 +7227,13 @@
   <p:clrMapOvr>
     <a:masterClrMapping/>
   </p:clrMapOvr>
+  <p:timing>
+    <p:tnLst>
+      <p:par>
+        <p:cTn xmlns:p14="http://schemas.microsoft.com/office/powerpoint/2010/main" id="1" dur="indefinite" restart="never" nodeType="tmRoot"/>
+      </p:par>
+    </p:tnLst>
+  </p:timing>
 </p:sld>
 </file>
 

--- a/DesignReviewSlides.pptx
+++ b/DesignReviewSlides.pptx
@@ -26,10 +26,15 @@
     <p:sldId id="294" r:id="rId20"/>
     <p:sldId id="289" r:id="rId21"/>
     <p:sldId id="290" r:id="rId22"/>
-    <p:sldId id="293" r:id="rId23"/>
-    <p:sldId id="273" r:id="rId24"/>
-    <p:sldId id="291" r:id="rId25"/>
-    <p:sldId id="292" r:id="rId26"/>
+    <p:sldId id="273" r:id="rId23"/>
+    <p:sldId id="291" r:id="rId24"/>
+    <p:sldId id="292" r:id="rId25"/>
+    <p:sldId id="295" r:id="rId26"/>
+    <p:sldId id="296" r:id="rId27"/>
+    <p:sldId id="297" r:id="rId28"/>
+    <p:sldId id="298" r:id="rId29"/>
+    <p:sldId id="299" r:id="rId30"/>
+    <p:sldId id="300" r:id="rId31"/>
   </p:sldIdLst>
   <p:sldSz cx="12192000" cy="6858000"/>
   <p:notesSz cx="6858000" cy="9144000"/>
@@ -4457,7 +4462,7 @@
       </p:sp>
       <p:pic>
         <p:nvPicPr>
-          <p:cNvPr id="4" name="Picture 3"/>
+          <p:cNvPr id="2" name="Picture 1" descr="Main.jpg"/>
           <p:cNvPicPr>
             <a:picLocks noChangeAspect="1"/>
           </p:cNvPicPr>
@@ -4477,8 +4482,8 @@
         </p:blipFill>
         <p:spPr>
           <a:xfrm>
-            <a:off x="1025409" y="1678925"/>
-            <a:ext cx="10115551" cy="4962525"/>
+            <a:off x="1472700" y="1901905"/>
+            <a:ext cx="9327665" cy="4567400"/>
           </a:xfrm>
           <a:prstGeom prst="rect">
             <a:avLst/>
@@ -4930,7 +4935,7 @@
           <a:graphicData uri="http://schemas.openxmlformats.org/presentationml/2006/ole">
             <mc:AlternateContent xmlns:mc="http://schemas.openxmlformats.org/markup-compatibility/2006">
               <mc:Choice xmlns:v="urn:schemas-microsoft-com:vml" Requires="v">
-                <p:oleObj spid="_x0000_s1067" name="Document" r:id="rId3" imgW="5626100" imgH="2387600" progId="Word.Document.12">
+                <p:oleObj spid="_x0000_s1145" name="Document" r:id="rId3" imgW="5626100" imgH="2387600" progId="Word.Document.12">
                   <p:embed/>
                 </p:oleObj>
               </mc:Choice>
@@ -4987,7 +4992,7 @@
           <a:graphicData uri="http://schemas.openxmlformats.org/presentationml/2006/ole">
             <mc:AlternateContent xmlns:mc="http://schemas.openxmlformats.org/markup-compatibility/2006">
               <mc:Choice xmlns:v="urn:schemas-microsoft-com:vml" Requires="v">
-                <p:oleObj spid="_x0000_s1068" name="Document" r:id="rId5" imgW="5626100" imgH="1943100" progId="Word.Document.12">
+                <p:oleObj spid="_x0000_s1146" name="Document" r:id="rId5" imgW="5626100" imgH="1943100" progId="Word.Document.12">
                   <p:embed/>
                 </p:oleObj>
               </mc:Choice>
@@ -5108,7 +5113,7 @@
           <a:graphicData uri="http://schemas.openxmlformats.org/presentationml/2006/ole">
             <mc:AlternateContent xmlns:mc="http://schemas.openxmlformats.org/markup-compatibility/2006">
               <mc:Choice xmlns:v="urn:schemas-microsoft-com:vml" Requires="v">
-                <p:oleObj spid="_x0000_s2086" name="Document" r:id="rId3" imgW="5626100" imgH="2565400" progId="Word.Document.12">
+                <p:oleObj spid="_x0000_s2164" name="Document" r:id="rId3" imgW="5626100" imgH="2565400" progId="Word.Document.12">
                   <p:embed/>
                 </p:oleObj>
               </mc:Choice>
@@ -5165,7 +5170,7 @@
           <a:graphicData uri="http://schemas.openxmlformats.org/presentationml/2006/ole">
             <mc:AlternateContent xmlns:mc="http://schemas.openxmlformats.org/markup-compatibility/2006">
               <mc:Choice xmlns:v="urn:schemas-microsoft-com:vml" Requires="v">
-                <p:oleObj spid="_x0000_s2087" name="Document" r:id="rId5" imgW="5626100" imgH="2146300" progId="Word.Document.12">
+                <p:oleObj spid="_x0000_s2165" name="Document" r:id="rId5" imgW="5626100" imgH="2146300" progId="Word.Document.12">
                   <p:embed/>
                 </p:oleObj>
               </mc:Choice>
@@ -5286,7 +5291,7 @@
           <a:graphicData uri="http://schemas.openxmlformats.org/presentationml/2006/ole">
             <mc:AlternateContent xmlns:mc="http://schemas.openxmlformats.org/markup-compatibility/2006">
               <mc:Choice xmlns:v="urn:schemas-microsoft-com:vml" Requires="v">
-                <p:oleObj spid="_x0000_s3102" name="Document" r:id="rId3" imgW="6083300" imgH="2984500" progId="Word.Document.12">
+                <p:oleObj spid="_x0000_s3180" name="Document" r:id="rId3" imgW="6083300" imgH="2984500" progId="Word.Document.12">
                   <p:embed/>
                 </p:oleObj>
               </mc:Choice>
@@ -5343,7 +5348,7 @@
           <a:graphicData uri="http://schemas.openxmlformats.org/presentationml/2006/ole">
             <mc:AlternateContent xmlns:mc="http://schemas.openxmlformats.org/markup-compatibility/2006">
               <mc:Choice xmlns:v="urn:schemas-microsoft-com:vml" Requires="v">
-                <p:oleObj spid="_x0000_s3103" name="Document" r:id="rId5" imgW="6083300" imgH="1943100" progId="Word.Document.12">
+                <p:oleObj spid="_x0000_s3181" name="Document" r:id="rId5" imgW="6083300" imgH="1943100" progId="Word.Document.12">
                   <p:embed/>
                 </p:oleObj>
               </mc:Choice>
@@ -5464,7 +5469,7 @@
           <a:graphicData uri="http://schemas.openxmlformats.org/presentationml/2006/ole">
             <mc:AlternateContent xmlns:mc="http://schemas.openxmlformats.org/markup-compatibility/2006">
               <mc:Choice xmlns:v="urn:schemas-microsoft-com:vml" Requires="v">
-                <p:oleObj spid="_x0000_s4124" name="Document" r:id="rId3" imgW="6083300" imgH="3098800" progId="Word.Document.12">
+                <p:oleObj spid="_x0000_s4202" name="Document" r:id="rId3" imgW="6083300" imgH="3098800" progId="Word.Document.12">
                   <p:embed/>
                 </p:oleObj>
               </mc:Choice>
@@ -5521,7 +5526,7 @@
           <a:graphicData uri="http://schemas.openxmlformats.org/presentationml/2006/ole">
             <mc:AlternateContent xmlns:mc="http://schemas.openxmlformats.org/markup-compatibility/2006">
               <mc:Choice xmlns:v="urn:schemas-microsoft-com:vml" Requires="v">
-                <p:oleObj spid="_x0000_s4125" name="Document" r:id="rId5" imgW="6083300" imgH="1803400" progId="Word.Document.12">
+                <p:oleObj spid="_x0000_s4203" name="Document" r:id="rId5" imgW="6083300" imgH="1803400" progId="Word.Document.12">
                   <p:embed/>
                 </p:oleObj>
               </mc:Choice>
@@ -5718,13 +5723,13 @@
       </p:sp>
       <p:pic>
         <p:nvPicPr>
-          <p:cNvPr id="4" name="Picture 3" descr="pic2.png"/>
+          <p:cNvPr id="4" name="Picture 3" descr="ClassDiagram.jpg"/>
           <p:cNvPicPr>
             <a:picLocks noChangeAspect="1"/>
           </p:cNvPicPr>
           <p:nvPr/>
         </p:nvPicPr>
-        <p:blipFill rotWithShape="1">
+        <p:blipFill>
           <a:blip r:embed="rId2">
             <a:extLst>
               <a:ext uri="{28A0092B-C50C-407E-A947-70E740481C1C}">
@@ -5732,13 +5737,14 @@
               </a:ext>
             </a:extLst>
           </a:blip>
-          <a:srcRect l="16328" t="21165" r="28026" b="24101"/>
-          <a:stretch/>
+          <a:stretch>
+            <a:fillRect/>
+          </a:stretch>
         </p:blipFill>
         <p:spPr>
           <a:xfrm>
-            <a:off x="2333301" y="2051885"/>
-            <a:ext cx="7470088" cy="4149192"/>
+            <a:off x="2296872" y="1703770"/>
+            <a:ext cx="7455070" cy="4960489"/>
           </a:xfrm>
           <a:prstGeom prst="rect">
             <a:avLst/>
@@ -5830,13 +5836,13 @@
       </p:sp>
       <p:pic>
         <p:nvPicPr>
-          <p:cNvPr id="4" name="Picture 3" descr="pic5.png"/>
+          <p:cNvPr id="3" name="Picture 2" descr="DerrickSequenceDiagram.png"/>
           <p:cNvPicPr>
             <a:picLocks noChangeAspect="1"/>
           </p:cNvPicPr>
           <p:nvPr/>
         </p:nvPicPr>
-        <p:blipFill rotWithShape="1">
+        <p:blipFill>
           <a:blip r:embed="rId2">
             <a:extLst>
               <a:ext uri="{28A0092B-C50C-407E-A947-70E740481C1C}">
@@ -5844,13 +5850,14 @@
               </a:ext>
             </a:extLst>
           </a:blip>
-          <a:srcRect l="21256" t="23246" r="40028" b="23960"/>
-          <a:stretch/>
+          <a:stretch>
+            <a:fillRect/>
+          </a:stretch>
         </p:blipFill>
         <p:spPr>
           <a:xfrm>
-            <a:off x="2864333" y="1783316"/>
-            <a:ext cx="6147512" cy="4733926"/>
+            <a:off x="858699" y="1715768"/>
+            <a:ext cx="10342126" cy="4885544"/>
           </a:xfrm>
           <a:prstGeom prst="rect">
             <a:avLst/>
@@ -5909,102 +5916,6 @@
           <a:bodyPr/>
           <a:lstStyle/>
           <a:p>
-            <a:r>
-              <a:rPr lang="en-US" dirty="0" smtClean="0"/>
-              <a:t>Track Controller</a:t>
-            </a:r>
-            <a:br>
-              <a:rPr lang="en-US" dirty="0" smtClean="0"/>
-            </a:br>
-            <a:r>
-              <a:rPr lang="en-US" dirty="0" smtClean="0"/>
-              <a:t>State Diagram</a:t>
-            </a:r>
-            <a:endParaRPr lang="en-US" dirty="0"/>
-          </a:p>
-        </p:txBody>
-      </p:sp>
-      <p:pic>
-        <p:nvPicPr>
-          <p:cNvPr id="3" name="Picture 2" descr="pic4.png"/>
-          <p:cNvPicPr>
-            <a:picLocks noChangeAspect="1"/>
-          </p:cNvPicPr>
-          <p:nvPr/>
-        </p:nvPicPr>
-        <p:blipFill rotWithShape="1">
-          <a:blip r:embed="rId2">
-            <a:extLst>
-              <a:ext uri="{28A0092B-C50C-407E-A947-70E740481C1C}">
-                <a14:useLocalDpi xmlns:a14="http://schemas.microsoft.com/office/drawing/2010/main" val="0"/>
-              </a:ext>
-            </a:extLst>
-          </a:blip>
-          <a:srcRect l="15529" t="23410" r="23731" b="23125"/>
-          <a:stretch/>
-        </p:blipFill>
-        <p:spPr>
-          <a:xfrm>
-            <a:off x="1978532" y="1898497"/>
-            <a:ext cx="8361326" cy="4156170"/>
-          </a:xfrm>
-          <a:prstGeom prst="rect">
-            <a:avLst/>
-          </a:prstGeom>
-        </p:spPr>
-      </p:pic>
-    </p:spTree>
-    <p:extLst>
-      <p:ext uri="{BB962C8B-B14F-4D97-AF65-F5344CB8AC3E}">
-        <p14:creationId xmlns:p14="http://schemas.microsoft.com/office/powerpoint/2010/main" val="4078537121"/>
-      </p:ext>
-    </p:extLst>
-  </p:cSld>
-  <p:clrMapOvr>
-    <a:masterClrMapping/>
-  </p:clrMapOvr>
-  <p:timing>
-    <p:tnLst>
-      <p:par>
-        <p:cTn xmlns:p14="http://schemas.microsoft.com/office/powerpoint/2010/main" id="1" dur="indefinite" restart="never" nodeType="tmRoot"/>
-      </p:par>
-    </p:tnLst>
-  </p:timing>
-</p:sld>
-</file>
-
-<file path=ppt/slides/slide23.xml><?xml version="1.0" encoding="utf-8"?>
-<p:sld xmlns:a="http://schemas.openxmlformats.org/drawingml/2006/main" xmlns:r="http://schemas.openxmlformats.org/officeDocument/2006/relationships" xmlns:p="http://schemas.openxmlformats.org/presentationml/2006/main">
-  <p:cSld>
-    <p:spTree>
-      <p:nvGrpSpPr>
-        <p:cNvPr id="1" name=""/>
-        <p:cNvGrpSpPr/>
-        <p:nvPr/>
-      </p:nvGrpSpPr>
-      <p:grpSpPr>
-        <a:xfrm>
-          <a:off x="0" y="0"/>
-          <a:ext cx="0" cy="0"/>
-          <a:chOff x="0" y="0"/>
-          <a:chExt cx="0" cy="0"/>
-        </a:xfrm>
-      </p:grpSpPr>
-      <p:sp>
-        <p:nvSpPr>
-          <p:cNvPr id="2" name="Title 1"/>
-          <p:cNvSpPr>
-            <a:spLocks noGrp="1"/>
-          </p:cNvSpPr>
-          <p:nvPr>
-            <p:ph type="title"/>
-          </p:nvPr>
-        </p:nvSpPr>
-        <p:spPr/>
-        <p:txBody>
-          <a:bodyPr/>
-          <a:lstStyle/>
-          <a:p>
             <a:pPr algn="ctr"/>
             <a:r>
               <a:rPr lang="en-US" dirty="0" smtClean="0"/>
@@ -6034,7 +5945,7 @@
 </p:sld>
 </file>
 
-<file path=ppt/slides/slide24.xml><?xml version="1.0" encoding="utf-8"?>
+<file path=ppt/slides/slide23.xml><?xml version="1.0" encoding="utf-8"?>
 <p:sld xmlns:a="http://schemas.openxmlformats.org/drawingml/2006/main" xmlns:r="http://schemas.openxmlformats.org/officeDocument/2006/relationships" xmlns:p="http://schemas.openxmlformats.org/presentationml/2006/main">
   <p:cSld>
     <p:spTree>
@@ -6128,7 +6039,7 @@
 </p:sld>
 </file>
 
-<file path=ppt/slides/slide25.xml><?xml version="1.0" encoding="utf-8"?>
+<file path=ppt/slides/slide24.xml><?xml version="1.0" encoding="utf-8"?>
 <p:sld xmlns:a="http://schemas.openxmlformats.org/drawingml/2006/main" xmlns:r="http://schemas.openxmlformats.org/officeDocument/2006/relationships" xmlns:p="http://schemas.openxmlformats.org/presentationml/2006/main">
   <p:cSld>
     <p:spTree>
@@ -6174,7 +6085,7 @@
       </p:sp>
       <p:pic>
         <p:nvPicPr>
-          <p:cNvPr id="3" name="Picture 2"/>
+          <p:cNvPr id="4" name="Picture 3" descr="Main.jpg"/>
           <p:cNvPicPr>
             <a:picLocks noChangeAspect="1"/>
           </p:cNvPicPr>
@@ -6194,8 +6105,8 @@
         </p:blipFill>
         <p:spPr>
           <a:xfrm>
-            <a:off x="795366" y="1698986"/>
-            <a:ext cx="10649814" cy="4927698"/>
+            <a:off x="1918564" y="1696798"/>
+            <a:ext cx="8321380" cy="4939632"/>
           </a:xfrm>
           <a:prstGeom prst="rect">
             <a:avLst/>
@@ -6219,6 +6130,437 @@
       </p:par>
     </p:tnLst>
   </p:timing>
+</p:sld>
+</file>
+
+<file path=ppt/slides/slide25.xml><?xml version="1.0" encoding="utf-8"?>
+<p:sld xmlns:a="http://schemas.openxmlformats.org/drawingml/2006/main" xmlns:r="http://schemas.openxmlformats.org/officeDocument/2006/relationships" xmlns:p="http://schemas.openxmlformats.org/presentationml/2006/main">
+  <p:cSld>
+    <p:spTree>
+      <p:nvGrpSpPr>
+        <p:cNvPr id="1" name=""/>
+        <p:cNvGrpSpPr/>
+        <p:nvPr/>
+      </p:nvGrpSpPr>
+      <p:grpSpPr>
+        <a:xfrm>
+          <a:off x="0" y="0"/>
+          <a:ext cx="0" cy="0"/>
+          <a:chOff x="0" y="0"/>
+          <a:chExt cx="0" cy="0"/>
+        </a:xfrm>
+      </p:grpSpPr>
+      <p:sp>
+        <p:nvSpPr>
+          <p:cNvPr id="2" name="Title 1"/>
+          <p:cNvSpPr>
+            <a:spLocks noGrp="1"/>
+          </p:cNvSpPr>
+          <p:nvPr>
+            <p:ph type="title"/>
+          </p:nvPr>
+        </p:nvSpPr>
+        <p:spPr/>
+        <p:txBody>
+          <a:bodyPr/>
+          <a:lstStyle/>
+          <a:p>
+            <a:r>
+              <a:rPr lang="en-US" dirty="0" smtClean="0"/>
+              <a:t>CTC </a:t>
+            </a:r>
+            <a:r>
+              <a:rPr lang="en-US" dirty="0" err="1" smtClean="0"/>
+              <a:t>OFFICe</a:t>
+            </a:r>
+            <a:endParaRPr lang="en-US" dirty="0"/>
+          </a:p>
+        </p:txBody>
+      </p:sp>
+    </p:spTree>
+    <p:extLst>
+      <p:ext uri="{BB962C8B-B14F-4D97-AF65-F5344CB8AC3E}">
+        <p14:creationId xmlns:p14="http://schemas.microsoft.com/office/powerpoint/2010/main" val="997714866"/>
+      </p:ext>
+    </p:extLst>
+  </p:cSld>
+  <p:clrMapOvr>
+    <a:masterClrMapping/>
+  </p:clrMapOvr>
+  <p:timing>
+    <p:tnLst>
+      <p:par>
+        <p:cTn xmlns:p14="http://schemas.microsoft.com/office/powerpoint/2010/main" id="1" dur="indefinite" restart="never" nodeType="tmRoot"/>
+      </p:par>
+    </p:tnLst>
+  </p:timing>
+</p:sld>
+</file>
+
+<file path=ppt/slides/slide26.xml><?xml version="1.0" encoding="utf-8"?>
+<p:sld xmlns:a="http://schemas.openxmlformats.org/drawingml/2006/main" xmlns:r="http://schemas.openxmlformats.org/officeDocument/2006/relationships" xmlns:p="http://schemas.openxmlformats.org/presentationml/2006/main">
+  <p:cSld>
+    <p:spTree>
+      <p:nvGrpSpPr>
+        <p:cNvPr id="1" name=""/>
+        <p:cNvGrpSpPr/>
+        <p:nvPr/>
+      </p:nvGrpSpPr>
+      <p:grpSpPr>
+        <a:xfrm>
+          <a:off x="0" y="0"/>
+          <a:ext cx="0" cy="0"/>
+          <a:chOff x="0" y="0"/>
+          <a:chExt cx="0" cy="0"/>
+        </a:xfrm>
+      </p:grpSpPr>
+      <p:sp>
+        <p:nvSpPr>
+          <p:cNvPr id="2" name="Title 1"/>
+          <p:cNvSpPr>
+            <a:spLocks noGrp="1"/>
+          </p:cNvSpPr>
+          <p:nvPr>
+            <p:ph type="title"/>
+          </p:nvPr>
+        </p:nvSpPr>
+        <p:spPr/>
+        <p:txBody>
+          <a:bodyPr/>
+          <a:lstStyle/>
+          <a:p>
+            <a:r>
+              <a:rPr lang="en-US" dirty="0" smtClean="0"/>
+              <a:t>CTC office</a:t>
+            </a:r>
+            <a:br>
+              <a:rPr lang="en-US" dirty="0" smtClean="0"/>
+            </a:br>
+            <a:r>
+              <a:rPr lang="en-US" dirty="0" smtClean="0"/>
+              <a:t>Use Case Diagram</a:t>
+            </a:r>
+            <a:endParaRPr lang="en-US" dirty="0"/>
+          </a:p>
+        </p:txBody>
+      </p:sp>
+      <p:pic>
+        <p:nvPicPr>
+          <p:cNvPr id="3" name="Picture 2" descr="Use Case Diagram.jpg"/>
+          <p:cNvPicPr>
+            <a:picLocks noChangeAspect="1"/>
+          </p:cNvPicPr>
+          <p:nvPr/>
+        </p:nvPicPr>
+        <p:blipFill>
+          <a:blip r:embed="rId2">
+            <a:extLst>
+              <a:ext uri="{28A0092B-C50C-407E-A947-70E740481C1C}">
+                <a14:useLocalDpi xmlns:a14="http://schemas.microsoft.com/office/drawing/2010/main" val="0"/>
+              </a:ext>
+            </a:extLst>
+          </a:blip>
+          <a:stretch>
+            <a:fillRect/>
+          </a:stretch>
+        </p:blipFill>
+        <p:spPr>
+          <a:xfrm>
+            <a:off x="1229501" y="1754950"/>
+            <a:ext cx="9881617" cy="4799364"/>
+          </a:xfrm>
+          <a:prstGeom prst="rect">
+            <a:avLst/>
+          </a:prstGeom>
+        </p:spPr>
+      </p:pic>
+    </p:spTree>
+    <p:extLst>
+      <p:ext uri="{BB962C8B-B14F-4D97-AF65-F5344CB8AC3E}">
+        <p14:creationId xmlns:p14="http://schemas.microsoft.com/office/powerpoint/2010/main" val="3598385849"/>
+      </p:ext>
+    </p:extLst>
+  </p:cSld>
+  <p:clrMapOvr>
+    <a:masterClrMapping/>
+  </p:clrMapOvr>
+  <p:timing>
+    <p:tnLst>
+      <p:par>
+        <p:cTn xmlns:p14="http://schemas.microsoft.com/office/powerpoint/2010/main" id="1" dur="indefinite" restart="never" nodeType="tmRoot"/>
+      </p:par>
+    </p:tnLst>
+  </p:timing>
+</p:sld>
+</file>
+
+<file path=ppt/slides/slide27.xml><?xml version="1.0" encoding="utf-8"?>
+<p:sld xmlns:a="http://schemas.openxmlformats.org/drawingml/2006/main" xmlns:r="http://schemas.openxmlformats.org/officeDocument/2006/relationships" xmlns:p="http://schemas.openxmlformats.org/presentationml/2006/main">
+  <p:cSld>
+    <p:spTree>
+      <p:nvGrpSpPr>
+        <p:cNvPr id="1" name=""/>
+        <p:cNvGrpSpPr/>
+        <p:nvPr/>
+      </p:nvGrpSpPr>
+      <p:grpSpPr>
+        <a:xfrm>
+          <a:off x="0" y="0"/>
+          <a:ext cx="0" cy="0"/>
+          <a:chOff x="0" y="0"/>
+          <a:chExt cx="0" cy="0"/>
+        </a:xfrm>
+      </p:grpSpPr>
+      <p:sp>
+        <p:nvSpPr>
+          <p:cNvPr id="2" name="Title 1"/>
+          <p:cNvSpPr>
+            <a:spLocks noGrp="1"/>
+          </p:cNvSpPr>
+          <p:nvPr>
+            <p:ph type="title"/>
+          </p:nvPr>
+        </p:nvSpPr>
+        <p:spPr/>
+        <p:txBody>
+          <a:bodyPr/>
+          <a:lstStyle/>
+          <a:p>
+            <a:r>
+              <a:rPr lang="en-US" dirty="0" smtClean="0"/>
+              <a:t>CTC OFFICE</a:t>
+            </a:r>
+            <a:br>
+              <a:rPr lang="en-US" dirty="0" smtClean="0"/>
+            </a:br>
+            <a:r>
+              <a:rPr lang="en-US" dirty="0" smtClean="0"/>
+              <a:t>Class Diagram</a:t>
+            </a:r>
+            <a:endParaRPr lang="en-US" dirty="0"/>
+          </a:p>
+        </p:txBody>
+      </p:sp>
+      <p:pic>
+        <p:nvPicPr>
+          <p:cNvPr id="3" name="Picture 2" descr="ClassDiagram1.jpg"/>
+          <p:cNvPicPr>
+            <a:picLocks noChangeAspect="1"/>
+          </p:cNvPicPr>
+          <p:nvPr/>
+        </p:nvPicPr>
+        <p:blipFill>
+          <a:blip r:embed="rId2">
+            <a:extLst>
+              <a:ext uri="{28A0092B-C50C-407E-A947-70E740481C1C}">
+                <a14:useLocalDpi xmlns:a14="http://schemas.microsoft.com/office/drawing/2010/main" val="0"/>
+              </a:ext>
+            </a:extLst>
+          </a:blip>
+          <a:stretch>
+            <a:fillRect/>
+          </a:stretch>
+        </p:blipFill>
+        <p:spPr>
+          <a:xfrm>
+            <a:off x="2972422" y="1673250"/>
+            <a:ext cx="6255599" cy="5036140"/>
+          </a:xfrm>
+          <a:prstGeom prst="rect">
+            <a:avLst/>
+          </a:prstGeom>
+        </p:spPr>
+      </p:pic>
+    </p:spTree>
+    <p:extLst>
+      <p:ext uri="{BB962C8B-B14F-4D97-AF65-F5344CB8AC3E}">
+        <p14:creationId xmlns:p14="http://schemas.microsoft.com/office/powerpoint/2010/main" val="3200314299"/>
+      </p:ext>
+    </p:extLst>
+  </p:cSld>
+  <p:clrMapOvr>
+    <a:masterClrMapping/>
+  </p:clrMapOvr>
+</p:sld>
+</file>
+
+<file path=ppt/slides/slide28.xml><?xml version="1.0" encoding="utf-8"?>
+<p:sld xmlns:a="http://schemas.openxmlformats.org/drawingml/2006/main" xmlns:r="http://schemas.openxmlformats.org/officeDocument/2006/relationships" xmlns:p="http://schemas.openxmlformats.org/presentationml/2006/main">
+  <p:cSld>
+    <p:spTree>
+      <p:nvGrpSpPr>
+        <p:cNvPr id="1" name=""/>
+        <p:cNvGrpSpPr/>
+        <p:nvPr/>
+      </p:nvGrpSpPr>
+      <p:grpSpPr>
+        <a:xfrm>
+          <a:off x="0" y="0"/>
+          <a:ext cx="0" cy="0"/>
+          <a:chOff x="0" y="0"/>
+          <a:chExt cx="0" cy="0"/>
+        </a:xfrm>
+      </p:grpSpPr>
+      <p:sp>
+        <p:nvSpPr>
+          <p:cNvPr id="2" name="Title 1"/>
+          <p:cNvSpPr>
+            <a:spLocks noGrp="1"/>
+          </p:cNvSpPr>
+          <p:nvPr>
+            <p:ph type="title"/>
+          </p:nvPr>
+        </p:nvSpPr>
+        <p:spPr/>
+        <p:txBody>
+          <a:bodyPr/>
+          <a:lstStyle/>
+          <a:p>
+            <a:r>
+              <a:rPr lang="en-US" dirty="0" smtClean="0"/>
+              <a:t>CTC office</a:t>
+            </a:r>
+            <a:br>
+              <a:rPr lang="en-US" dirty="0" smtClean="0"/>
+            </a:br>
+            <a:r>
+              <a:rPr lang="en-US" dirty="0" smtClean="0"/>
+              <a:t>Sequence Diagram: suggest speed</a:t>
+            </a:r>
+            <a:endParaRPr lang="en-US" dirty="0"/>
+          </a:p>
+        </p:txBody>
+      </p:sp>
+      <p:pic>
+        <p:nvPicPr>
+          <p:cNvPr id="3" name="Picture 2" descr="SequenceDiagram1.jpg"/>
+          <p:cNvPicPr>
+            <a:picLocks noChangeAspect="1"/>
+          </p:cNvPicPr>
+          <p:nvPr/>
+        </p:nvPicPr>
+        <p:blipFill>
+          <a:blip r:embed="rId2">
+            <a:extLst>
+              <a:ext uri="{28A0092B-C50C-407E-A947-70E740481C1C}">
+                <a14:useLocalDpi xmlns:a14="http://schemas.microsoft.com/office/drawing/2010/main" val="0"/>
+              </a:ext>
+            </a:extLst>
+          </a:blip>
+          <a:stretch>
+            <a:fillRect/>
+          </a:stretch>
+        </p:blipFill>
+        <p:spPr>
+          <a:xfrm>
+            <a:off x="2796780" y="1658202"/>
+            <a:ext cx="6729014" cy="5023067"/>
+          </a:xfrm>
+          <a:prstGeom prst="rect">
+            <a:avLst/>
+          </a:prstGeom>
+        </p:spPr>
+      </p:pic>
+    </p:spTree>
+    <p:extLst>
+      <p:ext uri="{BB962C8B-B14F-4D97-AF65-F5344CB8AC3E}">
+        <p14:creationId xmlns:p14="http://schemas.microsoft.com/office/powerpoint/2010/main" val="3934887137"/>
+      </p:ext>
+    </p:extLst>
+  </p:cSld>
+  <p:clrMapOvr>
+    <a:masterClrMapping/>
+  </p:clrMapOvr>
+</p:sld>
+</file>
+
+<file path=ppt/slides/slide29.xml><?xml version="1.0" encoding="utf-8"?>
+<p:sld xmlns:a="http://schemas.openxmlformats.org/drawingml/2006/main" xmlns:r="http://schemas.openxmlformats.org/officeDocument/2006/relationships" xmlns:p="http://schemas.openxmlformats.org/presentationml/2006/main">
+  <p:cSld>
+    <p:spTree>
+      <p:nvGrpSpPr>
+        <p:cNvPr id="1" name=""/>
+        <p:cNvGrpSpPr/>
+        <p:nvPr/>
+      </p:nvGrpSpPr>
+      <p:grpSpPr>
+        <a:xfrm>
+          <a:off x="0" y="0"/>
+          <a:ext cx="0" cy="0"/>
+          <a:chOff x="0" y="0"/>
+          <a:chExt cx="0" cy="0"/>
+        </a:xfrm>
+      </p:grpSpPr>
+      <p:sp>
+        <p:nvSpPr>
+          <p:cNvPr id="2" name="Title 1"/>
+          <p:cNvSpPr>
+            <a:spLocks noGrp="1"/>
+          </p:cNvSpPr>
+          <p:nvPr>
+            <p:ph type="title"/>
+          </p:nvPr>
+        </p:nvSpPr>
+        <p:spPr/>
+        <p:txBody>
+          <a:bodyPr/>
+          <a:lstStyle/>
+          <a:p>
+            <a:r>
+              <a:rPr lang="en-US" dirty="0" smtClean="0"/>
+              <a:t>CTC office</a:t>
+            </a:r>
+            <a:br>
+              <a:rPr lang="en-US" dirty="0" smtClean="0"/>
+            </a:br>
+            <a:r>
+              <a:rPr lang="en-US" dirty="0" smtClean="0"/>
+              <a:t>sequence diagram: edit schedule </a:t>
+            </a:r>
+            <a:endParaRPr lang="en-US" dirty="0"/>
+          </a:p>
+        </p:txBody>
+      </p:sp>
+      <p:pic>
+        <p:nvPicPr>
+          <p:cNvPr id="3" name="Picture 2" descr="SequenceDiagram2.jpg"/>
+          <p:cNvPicPr>
+            <a:picLocks noChangeAspect="1"/>
+          </p:cNvPicPr>
+          <p:nvPr/>
+        </p:nvPicPr>
+        <p:blipFill>
+          <a:blip r:embed="rId2">
+            <a:extLst>
+              <a:ext uri="{28A0092B-C50C-407E-A947-70E740481C1C}">
+                <a14:useLocalDpi xmlns:a14="http://schemas.microsoft.com/office/drawing/2010/main" val="0"/>
+              </a:ext>
+            </a:extLst>
+          </a:blip>
+          <a:stretch>
+            <a:fillRect/>
+          </a:stretch>
+        </p:blipFill>
+        <p:spPr>
+          <a:xfrm>
+            <a:off x="3175088" y="1628030"/>
+            <a:ext cx="6188044" cy="5024339"/>
+          </a:xfrm>
+          <a:prstGeom prst="rect">
+            <a:avLst/>
+          </a:prstGeom>
+        </p:spPr>
+      </p:pic>
+    </p:spTree>
+    <p:extLst>
+      <p:ext uri="{BB962C8B-B14F-4D97-AF65-F5344CB8AC3E}">
+        <p14:creationId xmlns:p14="http://schemas.microsoft.com/office/powerpoint/2010/main" val="452589282"/>
+      </p:ext>
+    </p:extLst>
+  </p:cSld>
+  <p:clrMapOvr>
+    <a:masterClrMapping/>
+  </p:clrMapOvr>
 </p:sld>
 </file>
 
@@ -6319,6 +6661,90 @@
 </p:sld>
 </file>
 
+<file path=ppt/slides/slide30.xml><?xml version="1.0" encoding="utf-8"?>
+<p:sld xmlns:a="http://schemas.openxmlformats.org/drawingml/2006/main" xmlns:r="http://schemas.openxmlformats.org/officeDocument/2006/relationships" xmlns:p="http://schemas.openxmlformats.org/presentationml/2006/main">
+  <p:cSld>
+    <p:spTree>
+      <p:nvGrpSpPr>
+        <p:cNvPr id="1" name=""/>
+        <p:cNvGrpSpPr/>
+        <p:nvPr/>
+      </p:nvGrpSpPr>
+      <p:grpSpPr>
+        <a:xfrm>
+          <a:off x="0" y="0"/>
+          <a:ext cx="0" cy="0"/>
+          <a:chOff x="0" y="0"/>
+          <a:chExt cx="0" cy="0"/>
+        </a:xfrm>
+      </p:grpSpPr>
+      <p:sp>
+        <p:nvSpPr>
+          <p:cNvPr id="2" name="Title 1"/>
+          <p:cNvSpPr>
+            <a:spLocks noGrp="1"/>
+          </p:cNvSpPr>
+          <p:nvPr>
+            <p:ph type="title"/>
+          </p:nvPr>
+        </p:nvSpPr>
+        <p:spPr/>
+        <p:txBody>
+          <a:bodyPr/>
+          <a:lstStyle/>
+          <a:p>
+            <a:r>
+              <a:rPr lang="en-US" dirty="0" smtClean="0"/>
+              <a:t>Thank you</a:t>
+            </a:r>
+            <a:endParaRPr lang="en-US" dirty="0"/>
+          </a:p>
+        </p:txBody>
+      </p:sp>
+      <p:sp>
+        <p:nvSpPr>
+          <p:cNvPr id="3" name="TextBox 2"/>
+          <p:cNvSpPr txBox="1"/>
+          <p:nvPr/>
+        </p:nvSpPr>
+        <p:spPr>
+          <a:xfrm>
+            <a:off x="2580604" y="3309943"/>
+            <a:ext cx="7079770" cy="707886"/>
+          </a:xfrm>
+          <a:prstGeom prst="rect">
+            <a:avLst/>
+          </a:prstGeom>
+          <a:noFill/>
+        </p:spPr>
+        <p:txBody>
+          <a:bodyPr wrap="square" rtlCol="0">
+            <a:spAutoFit/>
+          </a:bodyPr>
+          <a:lstStyle/>
+          <a:p>
+            <a:pPr algn="ctr"/>
+            <a:r>
+              <a:rPr lang="en-US" sz="4000" dirty="0" smtClean="0"/>
+              <a:t>ANY QUESTIONS?</a:t>
+            </a:r>
+            <a:endParaRPr lang="en-US" sz="4000" dirty="0"/>
+          </a:p>
+        </p:txBody>
+      </p:sp>
+    </p:spTree>
+    <p:extLst>
+      <p:ext uri="{BB962C8B-B14F-4D97-AF65-F5344CB8AC3E}">
+        <p14:creationId xmlns:p14="http://schemas.microsoft.com/office/powerpoint/2010/main" val="1020013155"/>
+      </p:ext>
+    </p:extLst>
+  </p:cSld>
+  <p:clrMapOvr>
+    <a:masterClrMapping/>
+  </p:clrMapOvr>
+</p:sld>
+</file>
+
 <file path=ppt/slides/slide4.xml><?xml version="1.0" encoding="utf-8"?>
 <p:sld xmlns:a="http://schemas.openxmlformats.org/drawingml/2006/main" xmlns:r="http://schemas.openxmlformats.org/officeDocument/2006/relationships" xmlns:p="http://schemas.openxmlformats.org/presentationml/2006/main">
   <p:cSld>
@@ -6365,13 +6791,13 @@
       </p:sp>
       <p:pic>
         <p:nvPicPr>
-          <p:cNvPr id="2" name="Picture 1" descr="pic6.png"/>
+          <p:cNvPr id="4" name="Picture 3" descr="SystemWideClassDiagram.png"/>
           <p:cNvPicPr>
             <a:picLocks noChangeAspect="1"/>
           </p:cNvPicPr>
           <p:nvPr/>
         </p:nvPicPr>
-        <p:blipFill rotWithShape="1">
+        <p:blipFill>
           <a:blip r:embed="rId2">
             <a:extLst>
               <a:ext uri="{28A0092B-C50C-407E-A947-70E740481C1C}">
@@ -6379,13 +6805,14 @@
               </a:ext>
             </a:extLst>
           </a:blip>
-          <a:srcRect l="14646" t="20505" r="34188" b="14179"/>
-          <a:stretch/>
+          <a:stretch>
+            <a:fillRect/>
+          </a:stretch>
         </p:blipFill>
         <p:spPr>
           <a:xfrm>
-            <a:off x="3412967" y="1865902"/>
-            <a:ext cx="6519786" cy="4700088"/>
+            <a:off x="1977956" y="1634707"/>
+            <a:ext cx="8588094" cy="5086251"/>
           </a:xfrm>
           <a:prstGeom prst="rect">
             <a:avLst/>

--- a/DesignReviewSlides.pptx
+++ b/DesignReviewSlides.pptx
@@ -34,7 +34,10 @@
     <p:sldId id="297" r:id="rId28"/>
     <p:sldId id="298" r:id="rId29"/>
     <p:sldId id="299" r:id="rId30"/>
-    <p:sldId id="300" r:id="rId31"/>
+    <p:sldId id="301" r:id="rId31"/>
+    <p:sldId id="303" r:id="rId32"/>
+    <p:sldId id="304" r:id="rId33"/>
+    <p:sldId id="300" r:id="rId34"/>
   </p:sldIdLst>
   <p:sldSz cx="12192000" cy="6858000"/>
   <p:notesSz cx="6858000" cy="9144000"/>
@@ -135,7 +138,7 @@
   </p:defaultTextStyle>
   <p:extLst>
     <p:ext uri="{EFAFB233-063F-42B5-8137-9DF3F51BA10A}">
-      <p15:sldGuideLst xmlns="" xmlns:p15="http://schemas.microsoft.com/office/powerpoint/2012/main"/>
+      <p15:sldGuideLst xmlns:p15="http://schemas.microsoft.com/office/powerpoint/2012/main" xmlns=""/>
     </p:ext>
   </p:extLst>
 </p:presentation>
@@ -4935,7 +4938,7 @@
           <a:graphicData uri="http://schemas.openxmlformats.org/presentationml/2006/ole">
             <mc:AlternateContent xmlns:mc="http://schemas.openxmlformats.org/markup-compatibility/2006">
               <mc:Choice xmlns:v="urn:schemas-microsoft-com:vml" Requires="v">
-                <p:oleObj spid="_x0000_s1145" name="Document" r:id="rId3" imgW="5626100" imgH="2387600" progId="Word.Document.12">
+                <p:oleObj spid="_x0000_s1158" name="Document" r:id="rId3" imgW="5626100" imgH="2387600" progId="Word.Document.12">
                   <p:embed/>
                 </p:oleObj>
               </mc:Choice>
@@ -4992,7 +4995,7 @@
           <a:graphicData uri="http://schemas.openxmlformats.org/presentationml/2006/ole">
             <mc:AlternateContent xmlns:mc="http://schemas.openxmlformats.org/markup-compatibility/2006">
               <mc:Choice xmlns:v="urn:schemas-microsoft-com:vml" Requires="v">
-                <p:oleObj spid="_x0000_s1146" name="Document" r:id="rId5" imgW="5626100" imgH="1943100" progId="Word.Document.12">
+                <p:oleObj spid="_x0000_s1159" name="Document" r:id="rId5" imgW="5626100" imgH="1943100" progId="Word.Document.12">
                   <p:embed/>
                 </p:oleObj>
               </mc:Choice>
@@ -5113,7 +5116,7 @@
           <a:graphicData uri="http://schemas.openxmlformats.org/presentationml/2006/ole">
             <mc:AlternateContent xmlns:mc="http://schemas.openxmlformats.org/markup-compatibility/2006">
               <mc:Choice xmlns:v="urn:schemas-microsoft-com:vml" Requires="v">
-                <p:oleObj spid="_x0000_s2164" name="Document" r:id="rId3" imgW="5626100" imgH="2565400" progId="Word.Document.12">
+                <p:oleObj spid="_x0000_s2177" name="Document" r:id="rId3" imgW="5626100" imgH="2565400" progId="Word.Document.12">
                   <p:embed/>
                 </p:oleObj>
               </mc:Choice>
@@ -5170,7 +5173,7 @@
           <a:graphicData uri="http://schemas.openxmlformats.org/presentationml/2006/ole">
             <mc:AlternateContent xmlns:mc="http://schemas.openxmlformats.org/markup-compatibility/2006">
               <mc:Choice xmlns:v="urn:schemas-microsoft-com:vml" Requires="v">
-                <p:oleObj spid="_x0000_s2165" name="Document" r:id="rId5" imgW="5626100" imgH="2146300" progId="Word.Document.12">
+                <p:oleObj spid="_x0000_s2178" name="Document" r:id="rId5" imgW="5626100" imgH="2146300" progId="Word.Document.12">
                   <p:embed/>
                 </p:oleObj>
               </mc:Choice>
@@ -5291,7 +5294,7 @@
           <a:graphicData uri="http://schemas.openxmlformats.org/presentationml/2006/ole">
             <mc:AlternateContent xmlns:mc="http://schemas.openxmlformats.org/markup-compatibility/2006">
               <mc:Choice xmlns:v="urn:schemas-microsoft-com:vml" Requires="v">
-                <p:oleObj spid="_x0000_s3180" name="Document" r:id="rId3" imgW="6083300" imgH="2984500" progId="Word.Document.12">
+                <p:oleObj spid="_x0000_s3193" name="Document" r:id="rId3" imgW="6083300" imgH="2984500" progId="Word.Document.12">
                   <p:embed/>
                 </p:oleObj>
               </mc:Choice>
@@ -5348,7 +5351,7 @@
           <a:graphicData uri="http://schemas.openxmlformats.org/presentationml/2006/ole">
             <mc:AlternateContent xmlns:mc="http://schemas.openxmlformats.org/markup-compatibility/2006">
               <mc:Choice xmlns:v="urn:schemas-microsoft-com:vml" Requires="v">
-                <p:oleObj spid="_x0000_s3181" name="Document" r:id="rId5" imgW="6083300" imgH="1943100" progId="Word.Document.12">
+                <p:oleObj spid="_x0000_s3194" name="Document" r:id="rId5" imgW="6083300" imgH="1943100" progId="Word.Document.12">
                   <p:embed/>
                 </p:oleObj>
               </mc:Choice>
@@ -5469,7 +5472,7 @@
           <a:graphicData uri="http://schemas.openxmlformats.org/presentationml/2006/ole">
             <mc:AlternateContent xmlns:mc="http://schemas.openxmlformats.org/markup-compatibility/2006">
               <mc:Choice xmlns:v="urn:schemas-microsoft-com:vml" Requires="v">
-                <p:oleObj spid="_x0000_s4202" name="Document" r:id="rId3" imgW="6083300" imgH="3098800" progId="Word.Document.12">
+                <p:oleObj spid="_x0000_s4215" name="Document" r:id="rId3" imgW="6083300" imgH="3098800" progId="Word.Document.12">
                   <p:embed/>
                 </p:oleObj>
               </mc:Choice>
@@ -5526,7 +5529,7 @@
           <a:graphicData uri="http://schemas.openxmlformats.org/presentationml/2006/ole">
             <mc:AlternateContent xmlns:mc="http://schemas.openxmlformats.org/markup-compatibility/2006">
               <mc:Choice xmlns:v="urn:schemas-microsoft-com:vml" Requires="v">
-                <p:oleObj spid="_x0000_s4203" name="Document" r:id="rId5" imgW="6083300" imgH="1803400" progId="Word.Document.12">
+                <p:oleObj spid="_x0000_s4216" name="Document" r:id="rId5" imgW="6083300" imgH="1803400" progId="Word.Document.12">
                   <p:embed/>
                 </p:oleObj>
               </mc:Choice>
@@ -6662,6 +6665,248 @@
 </file>
 
 <file path=ppt/slides/slide30.xml><?xml version="1.0" encoding="utf-8"?>
+<p:sld xmlns:a="http://schemas.openxmlformats.org/drawingml/2006/main" xmlns:r="http://schemas.openxmlformats.org/officeDocument/2006/relationships" xmlns:p="http://schemas.openxmlformats.org/presentationml/2006/main">
+  <p:cSld>
+    <p:spTree>
+      <p:nvGrpSpPr>
+        <p:cNvPr id="1" name=""/>
+        <p:cNvGrpSpPr/>
+        <p:nvPr/>
+      </p:nvGrpSpPr>
+      <p:grpSpPr>
+        <a:xfrm>
+          <a:off x="0" y="0"/>
+          <a:ext cx="0" cy="0"/>
+          <a:chOff x="0" y="0"/>
+          <a:chExt cx="0" cy="0"/>
+        </a:xfrm>
+      </p:grpSpPr>
+      <p:sp>
+        <p:nvSpPr>
+          <p:cNvPr id="2" name="Title 1"/>
+          <p:cNvSpPr>
+            <a:spLocks noGrp="1"/>
+          </p:cNvSpPr>
+          <p:nvPr>
+            <p:ph type="title"/>
+          </p:nvPr>
+        </p:nvSpPr>
+        <p:spPr/>
+        <p:txBody>
+          <a:bodyPr/>
+          <a:lstStyle/>
+          <a:p>
+            <a:r>
+              <a:rPr lang="en-US" dirty="0" smtClean="0"/>
+              <a:t>Train Model</a:t>
+            </a:r>
+            <a:endParaRPr lang="en-US" dirty="0"/>
+          </a:p>
+        </p:txBody>
+      </p:sp>
+    </p:spTree>
+    <p:extLst>
+      <p:ext uri="{BB962C8B-B14F-4D97-AF65-F5344CB8AC3E}">
+        <p14:creationId xmlns:p14="http://schemas.microsoft.com/office/powerpoint/2010/main" val="4030318995"/>
+      </p:ext>
+    </p:extLst>
+  </p:cSld>
+  <p:clrMapOvr>
+    <a:masterClrMapping/>
+  </p:clrMapOvr>
+  <p:timing>
+    <p:tnLst>
+      <p:par>
+        <p:cTn xmlns:p14="http://schemas.microsoft.com/office/powerpoint/2010/main" id="1" dur="indefinite" restart="never" nodeType="tmRoot"/>
+      </p:par>
+    </p:tnLst>
+  </p:timing>
+</p:sld>
+</file>
+
+<file path=ppt/slides/slide31.xml><?xml version="1.0" encoding="utf-8"?>
+<p:sld xmlns:a="http://schemas.openxmlformats.org/drawingml/2006/main" xmlns:r="http://schemas.openxmlformats.org/officeDocument/2006/relationships" xmlns:p="http://schemas.openxmlformats.org/presentationml/2006/main">
+  <p:cSld>
+    <p:spTree>
+      <p:nvGrpSpPr>
+        <p:cNvPr id="1" name=""/>
+        <p:cNvGrpSpPr/>
+        <p:nvPr/>
+      </p:nvGrpSpPr>
+      <p:grpSpPr>
+        <a:xfrm>
+          <a:off x="0" y="0"/>
+          <a:ext cx="0" cy="0"/>
+          <a:chOff x="0" y="0"/>
+          <a:chExt cx="0" cy="0"/>
+        </a:xfrm>
+      </p:grpSpPr>
+      <p:sp>
+        <p:nvSpPr>
+          <p:cNvPr id="2" name="Title 1"/>
+          <p:cNvSpPr>
+            <a:spLocks noGrp="1"/>
+          </p:cNvSpPr>
+          <p:nvPr>
+            <p:ph type="title"/>
+          </p:nvPr>
+        </p:nvSpPr>
+        <p:spPr/>
+        <p:txBody>
+          <a:bodyPr/>
+          <a:lstStyle/>
+          <a:p>
+            <a:r>
+              <a:rPr lang="en-US" dirty="0" smtClean="0"/>
+              <a:t>Train Model</a:t>
+            </a:r>
+            <a:br>
+              <a:rPr lang="en-US" dirty="0" smtClean="0"/>
+            </a:br>
+            <a:r>
+              <a:rPr lang="en-US" dirty="0" smtClean="0"/>
+              <a:t>Class Diagram</a:t>
+            </a:r>
+            <a:endParaRPr lang="en-US" dirty="0"/>
+          </a:p>
+        </p:txBody>
+      </p:sp>
+      <p:pic>
+        <p:nvPicPr>
+          <p:cNvPr id="4" name="Picture 3"/>
+          <p:cNvPicPr>
+            <a:picLocks noChangeAspect="1"/>
+          </p:cNvPicPr>
+          <p:nvPr/>
+        </p:nvPicPr>
+        <p:blipFill>
+          <a:blip r:embed="rId2"/>
+          <a:stretch>
+            <a:fillRect/>
+          </a:stretch>
+        </p:blipFill>
+        <p:spPr>
+          <a:xfrm>
+            <a:off x="1879600" y="1594794"/>
+            <a:ext cx="8458200" cy="5123505"/>
+          </a:xfrm>
+          <a:prstGeom prst="rect">
+            <a:avLst/>
+          </a:prstGeom>
+        </p:spPr>
+      </p:pic>
+    </p:spTree>
+    <p:extLst>
+      <p:ext uri="{BB962C8B-B14F-4D97-AF65-F5344CB8AC3E}">
+        <p14:creationId xmlns:p14="http://schemas.microsoft.com/office/powerpoint/2010/main" val="1241308479"/>
+      </p:ext>
+    </p:extLst>
+  </p:cSld>
+  <p:clrMapOvr>
+    <a:masterClrMapping/>
+  </p:clrMapOvr>
+  <p:timing>
+    <p:tnLst>
+      <p:par>
+        <p:cTn xmlns:p14="http://schemas.microsoft.com/office/powerpoint/2010/main" id="1" dur="indefinite" restart="never" nodeType="tmRoot"/>
+      </p:par>
+    </p:tnLst>
+  </p:timing>
+</p:sld>
+</file>
+
+<file path=ppt/slides/slide32.xml><?xml version="1.0" encoding="utf-8"?>
+<p:sld xmlns:a="http://schemas.openxmlformats.org/drawingml/2006/main" xmlns:r="http://schemas.openxmlformats.org/officeDocument/2006/relationships" xmlns:p="http://schemas.openxmlformats.org/presentationml/2006/main">
+  <p:cSld>
+    <p:spTree>
+      <p:nvGrpSpPr>
+        <p:cNvPr id="1" name=""/>
+        <p:cNvGrpSpPr/>
+        <p:nvPr/>
+      </p:nvGrpSpPr>
+      <p:grpSpPr>
+        <a:xfrm>
+          <a:off x="0" y="0"/>
+          <a:ext cx="0" cy="0"/>
+          <a:chOff x="0" y="0"/>
+          <a:chExt cx="0" cy="0"/>
+        </a:xfrm>
+      </p:grpSpPr>
+      <p:sp>
+        <p:nvSpPr>
+          <p:cNvPr id="2" name="Title 1"/>
+          <p:cNvSpPr>
+            <a:spLocks noGrp="1"/>
+          </p:cNvSpPr>
+          <p:nvPr>
+            <p:ph type="title"/>
+          </p:nvPr>
+        </p:nvSpPr>
+        <p:spPr/>
+        <p:txBody>
+          <a:bodyPr/>
+          <a:lstStyle/>
+          <a:p>
+            <a:r>
+              <a:rPr lang="en-US" dirty="0" smtClean="0"/>
+              <a:t>Train Model</a:t>
+            </a:r>
+            <a:br>
+              <a:rPr lang="en-US" dirty="0" smtClean="0"/>
+            </a:br>
+            <a:r>
+              <a:rPr lang="en-US" dirty="0" smtClean="0"/>
+              <a:t>Sequence diagram: Set Speed (detail)</a:t>
+            </a:r>
+            <a:endParaRPr lang="en-US" dirty="0"/>
+          </a:p>
+        </p:txBody>
+      </p:sp>
+      <p:pic>
+        <p:nvPicPr>
+          <p:cNvPr id="3" name="Picture 2"/>
+          <p:cNvPicPr>
+            <a:picLocks noChangeAspect="1"/>
+          </p:cNvPicPr>
+          <p:nvPr/>
+        </p:nvPicPr>
+        <p:blipFill>
+          <a:blip r:embed="rId2"/>
+          <a:stretch>
+            <a:fillRect/>
+          </a:stretch>
+        </p:blipFill>
+        <p:spPr>
+          <a:xfrm>
+            <a:off x="2082800" y="1790700"/>
+            <a:ext cx="8178800" cy="4724400"/>
+          </a:xfrm>
+          <a:prstGeom prst="rect">
+            <a:avLst/>
+          </a:prstGeom>
+        </p:spPr>
+      </p:pic>
+    </p:spTree>
+    <p:extLst>
+      <p:ext uri="{BB962C8B-B14F-4D97-AF65-F5344CB8AC3E}">
+        <p14:creationId xmlns:p14="http://schemas.microsoft.com/office/powerpoint/2010/main" val="3859175243"/>
+      </p:ext>
+    </p:extLst>
+  </p:cSld>
+  <p:clrMapOvr>
+    <a:masterClrMapping/>
+  </p:clrMapOvr>
+  <p:timing>
+    <p:tnLst>
+      <p:par>
+        <p:cTn xmlns:p14="http://schemas.microsoft.com/office/powerpoint/2010/main" id="1" dur="indefinite" restart="never" nodeType="tmRoot"/>
+      </p:par>
+    </p:tnLst>
+  </p:timing>
+</p:sld>
+</file>
+
+<file path=ppt/slides/slide33.xml><?xml version="1.0" encoding="utf-8"?>
 <p:sld xmlns:a="http://schemas.openxmlformats.org/drawingml/2006/main" xmlns:r="http://schemas.openxmlformats.org/officeDocument/2006/relationships" xmlns:p="http://schemas.openxmlformats.org/presentationml/2006/main">
   <p:cSld>
     <p:spTree>
